--- a/Capstone Project.pptx
+++ b/Capstone Project.pptx
@@ -216,7 +216,7 @@
           <a:p>
             <a:fld id="{03196D68-1647-49F0-B3EA-D13061F2A715}" type="datetimeFigureOut">
               <a:rPr lang="en-US" smtClean="0"/>
-              <a:t>5/16/2019</a:t>
+              <a:t>3/9/2020</a:t>
             </a:fld>
             <a:endParaRPr lang="en-US"/>
           </a:p>
@@ -818,7 +818,7 @@
           <a:p>
             <a:fld id="{454E367E-770F-4E24-9A15-0BB85B9CE28C}" type="datetime1">
               <a:rPr lang="en-US" smtClean="0"/>
-              <a:t>5/16/2019</a:t>
+              <a:t>3/9/2020</a:t>
             </a:fld>
             <a:endParaRPr lang="en-US"/>
           </a:p>
@@ -1906,7 +1906,7 @@
           <a:p>
             <a:fld id="{5ED8A371-B434-47E4-B032-A320B261D7B6}" type="datetime1">
               <a:rPr lang="en-US" smtClean="0"/>
-              <a:t>5/16/2019</a:t>
+              <a:t>3/9/2020</a:t>
             </a:fld>
             <a:endParaRPr lang="en-US"/>
           </a:p>
@@ -2886,7 +2886,7 @@
           <a:p>
             <a:fld id="{90F33F56-27CD-47FD-ADFC-1C6568DE7EC3}" type="datetime1">
               <a:rPr lang="en-US" smtClean="0"/>
-              <a:t>5/16/2019</a:t>
+              <a:t>3/9/2020</a:t>
             </a:fld>
             <a:endParaRPr lang="en-US"/>
           </a:p>
@@ -4020,7 +4020,7 @@
           <a:p>
             <a:fld id="{C37490FF-AC8F-4210-9703-112A1CC2C899}" type="datetime1">
               <a:rPr lang="en-US" smtClean="0"/>
-              <a:t>5/16/2019</a:t>
+              <a:t>3/9/2020</a:t>
             </a:fld>
             <a:endParaRPr lang="en-US"/>
           </a:p>
@@ -5053,7 +5053,7 @@
           <a:p>
             <a:fld id="{CF4EC107-5027-4B0F-8394-497194AEE64A}" type="datetime1">
               <a:rPr lang="en-US" smtClean="0"/>
-              <a:t>5/16/2019</a:t>
+              <a:t>3/9/2020</a:t>
             </a:fld>
             <a:endParaRPr lang="en-US"/>
           </a:p>
@@ -5713,7 +5713,7 @@
           <a:p>
             <a:fld id="{263EAF49-2394-4E54-A1FC-1FF080C8D024}" type="datetime1">
               <a:rPr lang="en-US" smtClean="0"/>
-              <a:t>5/16/2019</a:t>
+              <a:t>3/9/2020</a:t>
             </a:fld>
             <a:endParaRPr lang="en-US"/>
           </a:p>
@@ -6574,7 +6574,7 @@
           <a:p>
             <a:fld id="{8A13DF17-F9E1-4394-A7BB-5126A473201D}" type="datetime1">
               <a:rPr lang="en-US" smtClean="0"/>
-              <a:t>5/16/2019</a:t>
+              <a:t>3/9/2020</a:t>
             </a:fld>
             <a:endParaRPr lang="en-US"/>
           </a:p>
@@ -6764,7 +6764,7 @@
           <a:p>
             <a:fld id="{2F646915-E3CC-4DC0-BB66-D1C1B9647AA0}" type="datetime1">
               <a:rPr lang="en-US" smtClean="0"/>
-              <a:t>5/16/2019</a:t>
+              <a:t>3/9/2020</a:t>
             </a:fld>
             <a:endParaRPr lang="en-US"/>
           </a:p>
@@ -7736,7 +7736,7 @@
           <a:p>
             <a:fld id="{B889D38B-D092-40BA-95F4-B56EC9EDB1DF}" type="datetime1">
               <a:rPr lang="en-US" smtClean="0"/>
-              <a:t>5/16/2019</a:t>
+              <a:t>3/9/2020</a:t>
             </a:fld>
             <a:endParaRPr lang="en-US"/>
           </a:p>
@@ -7947,7 +7947,7 @@
           <a:p>
             <a:fld id="{0F6C099C-ED59-4690-8BB9-67DBB9BA4360}" type="datetime1">
               <a:rPr lang="en-US" smtClean="0"/>
-              <a:t>5/16/2019</a:t>
+              <a:t>3/9/2020</a:t>
             </a:fld>
             <a:endParaRPr lang="en-US"/>
           </a:p>
@@ -8981,7 +8981,7 @@
           <a:p>
             <a:fld id="{3392C6BD-94BE-45B4-A28A-33142E119AC1}" type="datetime1">
               <a:rPr lang="en-US" smtClean="0"/>
-              <a:t>5/16/2019</a:t>
+              <a:t>3/9/2020</a:t>
             </a:fld>
             <a:endParaRPr lang="en-US"/>
           </a:p>
@@ -9253,7 +9253,7 @@
           <a:p>
             <a:fld id="{0DCEC779-7787-46AD-ACCA-06B04FEAB4DC}" type="datetime1">
               <a:rPr lang="en-US" smtClean="0"/>
-              <a:t>5/16/2019</a:t>
+              <a:t>3/9/2020</a:t>
             </a:fld>
             <a:endParaRPr lang="en-US"/>
           </a:p>
@@ -9663,7 +9663,7 @@
           <a:p>
             <a:fld id="{8919A3F1-3FAF-4ACD-9856-4C2CCFDB56DA}" type="datetime1">
               <a:rPr lang="en-US" smtClean="0"/>
-              <a:t>5/16/2019</a:t>
+              <a:t>3/9/2020</a:t>
             </a:fld>
             <a:endParaRPr lang="en-US"/>
           </a:p>
@@ -9790,7 +9790,7 @@
           <a:p>
             <a:fld id="{94CC93F1-12BD-4704-A237-94C382C9FDC1}" type="datetime1">
               <a:rPr lang="en-US" smtClean="0"/>
-              <a:t>5/16/2019</a:t>
+              <a:t>3/9/2020</a:t>
             </a:fld>
             <a:endParaRPr lang="en-US"/>
           </a:p>
@@ -9885,7 +9885,7 @@
           <a:p>
             <a:fld id="{F8BDCE1C-1927-4398-AFAC-9C1A643CACC1}" type="datetime1">
               <a:rPr lang="en-US" smtClean="0"/>
-              <a:t>5/16/2019</a:t>
+              <a:t>3/9/2020</a:t>
             </a:fld>
             <a:endParaRPr lang="en-US"/>
           </a:p>
@@ -10966,7 +10966,7 @@
           <a:p>
             <a:fld id="{9C585CCB-95E1-45C3-BE59-DFFC0C78B3CE}" type="datetime1">
               <a:rPr lang="en-US" smtClean="0"/>
-              <a:t>5/16/2019</a:t>
+              <a:t>3/9/2020</a:t>
             </a:fld>
             <a:endParaRPr lang="en-US"/>
           </a:p>
@@ -12074,7 +12074,7 @@
           <a:p>
             <a:fld id="{1BEF4BCB-D57B-4874-9943-DDA02E63C85C}" type="datetime1">
               <a:rPr lang="en-US" smtClean="0"/>
-              <a:t>5/16/2019</a:t>
+              <a:t>3/9/2020</a:t>
             </a:fld>
             <a:endParaRPr lang="en-US"/>
           </a:p>
@@ -13071,7 +13071,7 @@
           <a:p>
             <a:fld id="{A3D7A5A2-7F1E-4DF7-8AC3-698245A7D924}" type="datetime1">
               <a:rPr lang="en-US" smtClean="0"/>
-              <a:t>5/16/2019</a:t>
+              <a:t>3/9/2020</a:t>
             </a:fld>
             <a:endParaRPr lang="en-US"/>
           </a:p>
@@ -16511,8 +16511,8 @@
           </a:p>
         </p:txBody>
       </p:sp>
-      <mc:AlternateContent xmlns:mc="http://schemas.openxmlformats.org/markup-compatibility/2006">
-        <mc:Choice xmlns:a14="http://schemas.microsoft.com/office/drawing/2010/main" Requires="a14">
+      <mc:AlternateContent xmlns:mc="http://schemas.openxmlformats.org/markup-compatibility/2006" xmlns:a14="http://schemas.microsoft.com/office/drawing/2010/main">
+        <mc:Choice Requires="a14">
           <p:sp>
             <p:nvSpPr>
               <p:cNvPr id="3" name="Content Placeholder 2">
@@ -18176,7 +18176,7 @@
             </p:txBody>
           </p:sp>
         </mc:Choice>
-        <mc:Fallback>
+        <mc:Fallback xmlns="">
           <p:sp>
             <p:nvSpPr>
               <p:cNvPr id="3" name="Content Placeholder 2">
@@ -20079,8 +20079,8 @@
           </a:p>
         </p:txBody>
       </p:sp>
-      <mc:AlternateContent xmlns:mc="http://schemas.openxmlformats.org/markup-compatibility/2006" xmlns:a14="http://schemas.microsoft.com/office/drawing/2010/main">
-        <mc:Choice Requires="a14">
+      <mc:AlternateContent xmlns:mc="http://schemas.openxmlformats.org/markup-compatibility/2006">
+        <mc:Choice xmlns:a14="http://schemas.microsoft.com/office/drawing/2010/main" Requires="a14">
           <p:sp>
             <p:nvSpPr>
               <p:cNvPr id="3" name="Content Placeholder 2">
@@ -20139,7 +20139,7 @@
                 </a14:m>
                 <a:r>
                   <a:rPr lang="en-US" sz="3600" dirty="0"/>
-                  <a:t>  does converges absolutely ,for any complex n x n matrix, because this series is bounded above and converges to a positive real number (which implies that </a:t>
+                  <a:t>  does converge absolutely ,for any complex n x n matrix, because this series is bounded above and converges to a positive real number (which implies that </a:t>
                 </a:r>
                 <a14:m>
                   <m:oMath xmlns:m="http://schemas.openxmlformats.org/officeDocument/2006/math">
@@ -20178,7 +20178,7 @@
             </p:txBody>
           </p:sp>
         </mc:Choice>
-        <mc:Fallback xmlns="">
+        <mc:Fallback>
           <p:sp>
             <p:nvSpPr>
               <p:cNvPr id="3" name="Content Placeholder 2">
@@ -22656,8 +22656,8 @@
           </p:sp>
         </mc:Fallback>
       </mc:AlternateContent>
-      <mc:AlternateContent xmlns:mc="http://schemas.openxmlformats.org/markup-compatibility/2006" xmlns:a14="http://schemas.microsoft.com/office/drawing/2010/main">
-        <mc:Choice Requires="a14">
+      <mc:AlternateContent xmlns:mc="http://schemas.openxmlformats.org/markup-compatibility/2006">
+        <mc:Choice xmlns:a14="http://schemas.microsoft.com/office/drawing/2010/main" Requires="a14">
           <p:sp>
             <p:nvSpPr>
               <p:cNvPr id="3" name="Content Placeholder 2">
@@ -22683,7 +22683,7 @@
               <a:p>
                 <a:r>
                   <a:rPr lang="en-US" sz="2800" dirty="0"/>
-                  <a:t>One should use the Inverse Laplace transform calculate  </a:t>
+                  <a:t>One could use the Inverse Laplace transform calculate  </a:t>
                 </a:r>
               </a:p>
               <a:p>
@@ -23358,7 +23358,7 @@
             </p:txBody>
           </p:sp>
         </mc:Choice>
-        <mc:Fallback xmlns="">
+        <mc:Fallback>
           <p:sp>
             <p:nvSpPr>
               <p:cNvPr id="3" name="Content Placeholder 2">
@@ -23567,8 +23567,8 @@
           </p:sp>
         </mc:Fallback>
       </mc:AlternateContent>
-      <mc:AlternateContent xmlns:mc="http://schemas.openxmlformats.org/markup-compatibility/2006">
-        <mc:Choice xmlns:a14="http://schemas.microsoft.com/office/drawing/2010/main" Requires="a14">
+      <mc:AlternateContent xmlns:mc="http://schemas.openxmlformats.org/markup-compatibility/2006" xmlns:a14="http://schemas.microsoft.com/office/drawing/2010/main">
+        <mc:Choice Requires="a14">
           <p:sp>
             <p:nvSpPr>
               <p:cNvPr id="3" name="Content Placeholder 2">
@@ -25176,7 +25176,7 @@
             </p:txBody>
           </p:sp>
         </mc:Choice>
-        <mc:Fallback>
+        <mc:Fallback xmlns="">
           <p:sp>
             <p:nvSpPr>
               <p:cNvPr id="3" name="Content Placeholder 2">
@@ -28542,8 +28542,8 @@
           </a:p>
         </p:txBody>
       </p:sp>
-      <mc:AlternateContent xmlns:mc="http://schemas.openxmlformats.org/markup-compatibility/2006" xmlns:a14="http://schemas.microsoft.com/office/drawing/2010/main">
-        <mc:Choice Requires="a14">
+      <mc:AlternateContent xmlns:mc="http://schemas.openxmlformats.org/markup-compatibility/2006">
+        <mc:Choice xmlns:a14="http://schemas.microsoft.com/office/drawing/2010/main" Requires="a14">
           <p:sp>
             <p:nvSpPr>
               <p:cNvPr id="3" name="Content Placeholder 2">
@@ -28746,7 +28746,7 @@
               <a:p>
                 <a:r>
                   <a:rPr lang="en-IN" sz="2400" dirty="0"/>
-                  <a:t>First we apply (A) and (B) and approximate the </a:t>
+                  <a:t>First we apply (eqn. A) and (eqn. B) and approximate the </a:t>
                 </a:r>
                 <a14:m>
                   <m:oMath xmlns:m="http://schemas.openxmlformats.org/officeDocument/2006/math">
@@ -29141,7 +29141,7 @@
                 </a14:m>
                 <a:r>
                   <a:rPr lang="en-IN" sz="2400" dirty="0"/>
-                  <a:t> . (C)</a:t>
+                  <a:t> . (eqn. C)</a:t>
                 </a:r>
                 <a:endParaRPr lang="en-US" sz="2400" dirty="0"/>
               </a:p>
@@ -29333,7 +29333,7 @@
                 </a14:m>
                 <a:r>
                   <a:rPr lang="en-IN" sz="2400" dirty="0"/>
-                  <a:t> (D).</a:t>
+                  <a:t> (eqn. D).</a:t>
                 </a:r>
                 <a:endParaRPr lang="en-US" sz="2400" dirty="0"/>
               </a:p>
@@ -29343,7 +29343,7 @@
             </p:txBody>
           </p:sp>
         </mc:Choice>
-        <mc:Fallback xmlns="">
+        <mc:Fallback>
           <p:sp>
             <p:nvSpPr>
               <p:cNvPr id="3" name="Content Placeholder 2">
